--- a/python/2_6/1교시아침문제.pptx
+++ b/python/2_6/1교시아침문제.pptx
@@ -7676,7 +7676,7 @@
             </a:r>
             <a:r>
               <a:rPr lang="en-US" altLang="ko-KR" dirty="0"/>
-              <a:t>(         )</a:t>
+              <a:t>( )</a:t>
             </a:r>
             <a:r>
               <a:rPr lang="ko-KR" altLang="en-US" dirty="0"/>
@@ -7800,7 +7800,7 @@
                   <a:srgbClr val="000000"/>
                 </a:solidFill>
               </a:rPr>
-              <a:t>(    )</a:t>
+              <a:t>( </a:t>
             </a:r>
             <a:r>
               <a:rPr lang="ko-KR" altLang="en-US" sz="1000" dirty="0">
@@ -7808,6 +7808,22 @@
                   <a:srgbClr val="000000"/>
                 </a:solidFill>
               </a:rPr>
+              <a:t>리스트</a:t>
+            </a:r>
+            <a:r>
+              <a:rPr lang="en-US" altLang="ko-KR" sz="1000" dirty="0">
+                <a:solidFill>
+                  <a:srgbClr val="000000"/>
+                </a:solidFill>
+              </a:rPr>
+              <a:t>  )</a:t>
+            </a:r>
+            <a:r>
+              <a:rPr lang="ko-KR" altLang="en-US" sz="1000" dirty="0">
+                <a:solidFill>
+                  <a:srgbClr val="000000"/>
+                </a:solidFill>
+              </a:rPr>
               <a:t>이고</a:t>
             </a:r>
             <a:r>
@@ -7848,7 +7864,23 @@
                   <a:srgbClr val="000000"/>
                 </a:solidFill>
               </a:rPr>
-              <a:t>(     )</a:t>
+              <a:t>( </a:t>
+            </a:r>
+            <a:r>
+              <a:rPr lang="ko-KR" altLang="en-US" sz="1000" dirty="0" err="1">
+                <a:solidFill>
+                  <a:srgbClr val="000000"/>
+                </a:solidFill>
+              </a:rPr>
+              <a:t>딕셔너리</a:t>
+            </a:r>
+            <a:r>
+              <a:rPr lang="en-US" altLang="ko-KR" sz="1000" dirty="0">
+                <a:solidFill>
+                  <a:srgbClr val="000000"/>
+                </a:solidFill>
+              </a:rPr>
+              <a:t> )</a:t>
             </a:r>
             <a:r>
               <a:rPr lang="ko-KR" altLang="en-US" sz="1000" dirty="0">
@@ -8124,7 +8156,7 @@
                   <a:srgbClr val="FF0000"/>
                 </a:solidFill>
               </a:rPr>
-              <a:t>   </a:t>
+              <a:t> O</a:t>
             </a:r>
             <a:r>
               <a:rPr lang="en-US" altLang="ko-KR" sz="1000" dirty="0">
@@ -8214,7 +8246,7 @@
                   <a:srgbClr val="000000"/>
                 </a:solidFill>
               </a:rPr>
-              <a:t>.                    (  </a:t>
+              <a:t>.                    ( O </a:t>
             </a:r>
             <a:r>
               <a:rPr lang="en-US" altLang="ko-KR" sz="1000" dirty="0">
@@ -8280,7 +8312,7 @@
                   <a:srgbClr val="000000"/>
                 </a:solidFill>
               </a:rPr>
-              <a:t>.                     (   </a:t>
+              <a:t>.                     ( X  </a:t>
             </a:r>
             <a:r>
               <a:rPr lang="en-US" altLang="ko-KR" sz="1000" dirty="0">
@@ -8430,7 +8462,7 @@
                   <a:srgbClr val="FF0000"/>
                 </a:solidFill>
               </a:rPr>
-              <a:t>  </a:t>
+              <a:t> X </a:t>
             </a:r>
             <a:r>
               <a:rPr lang="en-US" altLang="ko-KR" sz="1000" dirty="0">
@@ -8789,7 +8821,7 @@
                   <a:srgbClr val="FF0000"/>
                 </a:solidFill>
               </a:rPr>
-              <a:t>   </a:t>
+              <a:t>  key </a:t>
             </a:r>
             <a:r>
               <a:rPr lang="en-US" altLang="ko-KR" dirty="0"/>
@@ -8801,7 +8833,7 @@
             </a:r>
             <a:r>
               <a:rPr lang="en-US" altLang="ko-KR" dirty="0"/>
-              <a:t>(  </a:t>
+              <a:t>( value </a:t>
             </a:r>
             <a:r>
               <a:rPr lang="en-US" altLang="ko-KR" dirty="0">
@@ -8817,7 +8849,11 @@
             </a:r>
             <a:r>
               <a:rPr lang="ko-KR" altLang="en-US" dirty="0"/>
-              <a:t>가 한 쌍을 이루는 원소로 구성되어있다</a:t>
+              <a:t>가 한 쌍을 이루는 원소로 </a:t>
+            </a:r>
+            <a:r>
+              <a:rPr lang="ko-KR" altLang="en-US" dirty="0" err="1"/>
+              <a:t>구성되어있다</a:t>
             </a:r>
             <a:r>
               <a:rPr lang="en-US" altLang="ko-KR" dirty="0"/>
@@ -8913,6 +8949,267 @@
               <a:rPr lang="en-US" altLang="ko-KR" dirty="0"/>
               <a:t>)</a:t>
             </a:r>
+          </a:p>
+          <a:p>
+            <a:r>
+              <a:rPr lang="sv-SE" altLang="ko-KR" dirty="0">
+                <a:solidFill>
+                  <a:srgbClr val="BBBBBB"/>
+                </a:solidFill>
+                <a:latin typeface="Consolas" panose="020B0609020204030204" pitchFamily="49" charset="0"/>
+              </a:rPr>
+              <a:t>arr </a:t>
+            </a:r>
+            <a:r>
+              <a:rPr lang="sv-SE" altLang="ko-KR" dirty="0">
+                <a:solidFill>
+                  <a:srgbClr val="AAB1C0"/>
+                </a:solidFill>
+                <a:latin typeface="Consolas" panose="020B0609020204030204" pitchFamily="49" charset="0"/>
+              </a:rPr>
+              <a:t>=</a:t>
+            </a:r>
+            <a:r>
+              <a:rPr lang="sv-SE" altLang="ko-KR" dirty="0">
+                <a:solidFill>
+                  <a:srgbClr val="BBBBBB"/>
+                </a:solidFill>
+                <a:latin typeface="Consolas" panose="020B0609020204030204" pitchFamily="49" charset="0"/>
+              </a:rPr>
+              <a:t> (</a:t>
+            </a:r>
+            <a:r>
+              <a:rPr lang="sv-SE" altLang="ko-KR" dirty="0">
+                <a:solidFill>
+                  <a:srgbClr val="D8985F"/>
+                </a:solidFill>
+                <a:latin typeface="Consolas" panose="020B0609020204030204" pitchFamily="49" charset="0"/>
+              </a:rPr>
+              <a:t>1</a:t>
+            </a:r>
+            <a:r>
+              <a:rPr lang="sv-SE" altLang="ko-KR" dirty="0">
+                <a:solidFill>
+                  <a:srgbClr val="BBBBBB"/>
+                </a:solidFill>
+                <a:latin typeface="Consolas" panose="020B0609020204030204" pitchFamily="49" charset="0"/>
+              </a:rPr>
+              <a:t>, </a:t>
+            </a:r>
+            <a:r>
+              <a:rPr lang="sv-SE" altLang="ko-KR" dirty="0">
+                <a:solidFill>
+                  <a:srgbClr val="D8985F"/>
+                </a:solidFill>
+                <a:latin typeface="Consolas" panose="020B0609020204030204" pitchFamily="49" charset="0"/>
+              </a:rPr>
+              <a:t>2</a:t>
+            </a:r>
+            <a:r>
+              <a:rPr lang="sv-SE" altLang="ko-KR" dirty="0">
+                <a:solidFill>
+                  <a:srgbClr val="BBBBBB"/>
+                </a:solidFill>
+                <a:latin typeface="Consolas" panose="020B0609020204030204" pitchFamily="49" charset="0"/>
+              </a:rPr>
+              <a:t>, </a:t>
+            </a:r>
+            <a:r>
+              <a:rPr lang="sv-SE" altLang="ko-KR" dirty="0">
+                <a:solidFill>
+                  <a:srgbClr val="D8985F"/>
+                </a:solidFill>
+                <a:latin typeface="Consolas" panose="020B0609020204030204" pitchFamily="49" charset="0"/>
+              </a:rPr>
+              <a:t>3</a:t>
+            </a:r>
+            <a:r>
+              <a:rPr lang="sv-SE" altLang="ko-KR" dirty="0">
+                <a:solidFill>
+                  <a:srgbClr val="BBBBBB"/>
+                </a:solidFill>
+                <a:latin typeface="Consolas" panose="020B0609020204030204" pitchFamily="49" charset="0"/>
+              </a:rPr>
+              <a:t>)</a:t>
+            </a:r>
+          </a:p>
+          <a:p>
+            <a:r>
+              <a:rPr lang="sv-SE" altLang="ko-KR" dirty="0">
+                <a:solidFill>
+                  <a:srgbClr val="BBBBBB"/>
+                </a:solidFill>
+                <a:latin typeface="Consolas" panose="020B0609020204030204" pitchFamily="49" charset="0"/>
+              </a:rPr>
+              <a:t>brr </a:t>
+            </a:r>
+            <a:r>
+              <a:rPr lang="sv-SE" altLang="ko-KR" dirty="0">
+                <a:solidFill>
+                  <a:srgbClr val="AAB1C0"/>
+                </a:solidFill>
+                <a:latin typeface="Consolas" panose="020B0609020204030204" pitchFamily="49" charset="0"/>
+              </a:rPr>
+              <a:t>=</a:t>
+            </a:r>
+            <a:r>
+              <a:rPr lang="sv-SE" altLang="ko-KR" dirty="0">
+                <a:solidFill>
+                  <a:srgbClr val="BBBBBB"/>
+                </a:solidFill>
+                <a:latin typeface="Consolas" panose="020B0609020204030204" pitchFamily="49" charset="0"/>
+              </a:rPr>
+              <a:t> </a:t>
+            </a:r>
+            <a:r>
+              <a:rPr lang="sv-SE" altLang="ko-KR" dirty="0">
+                <a:solidFill>
+                  <a:srgbClr val="AAB1C0"/>
+                </a:solidFill>
+                <a:latin typeface="Consolas" panose="020B0609020204030204" pitchFamily="49" charset="0"/>
+              </a:rPr>
+              <a:t>[</a:t>
+            </a:r>
+            <a:r>
+              <a:rPr lang="sv-SE" altLang="ko-KR" dirty="0">
+                <a:solidFill>
+                  <a:srgbClr val="BBBBBB"/>
+                </a:solidFill>
+                <a:latin typeface="Consolas" panose="020B0609020204030204" pitchFamily="49" charset="0"/>
+              </a:rPr>
+              <a:t>arr</a:t>
+            </a:r>
+            <a:r>
+              <a:rPr lang="sv-SE" altLang="ko-KR" dirty="0">
+                <a:solidFill>
+                  <a:srgbClr val="AAB1C0"/>
+                </a:solidFill>
+                <a:latin typeface="Consolas" panose="020B0609020204030204" pitchFamily="49" charset="0"/>
+              </a:rPr>
+              <a:t>[</a:t>
+            </a:r>
+            <a:r>
+              <a:rPr lang="sv-SE" altLang="ko-KR" dirty="0">
+                <a:solidFill>
+                  <a:srgbClr val="D8985F"/>
+                </a:solidFill>
+                <a:latin typeface="Consolas" panose="020B0609020204030204" pitchFamily="49" charset="0"/>
+              </a:rPr>
+              <a:t>0</a:t>
+            </a:r>
+            <a:r>
+              <a:rPr lang="sv-SE" altLang="ko-KR" dirty="0">
+                <a:solidFill>
+                  <a:srgbClr val="AAB1C0"/>
+                </a:solidFill>
+                <a:latin typeface="Consolas" panose="020B0609020204030204" pitchFamily="49" charset="0"/>
+              </a:rPr>
+              <a:t>]</a:t>
+            </a:r>
+            <a:r>
+              <a:rPr lang="sv-SE" altLang="ko-KR" dirty="0">
+                <a:solidFill>
+                  <a:srgbClr val="BBBBBB"/>
+                </a:solidFill>
+                <a:latin typeface="Consolas" panose="020B0609020204030204" pitchFamily="49" charset="0"/>
+              </a:rPr>
+              <a:t>, arr</a:t>
+            </a:r>
+            <a:r>
+              <a:rPr lang="sv-SE" altLang="ko-KR" dirty="0">
+                <a:solidFill>
+                  <a:srgbClr val="AAB1C0"/>
+                </a:solidFill>
+                <a:latin typeface="Consolas" panose="020B0609020204030204" pitchFamily="49" charset="0"/>
+              </a:rPr>
+              <a:t>[</a:t>
+            </a:r>
+            <a:r>
+              <a:rPr lang="sv-SE" altLang="ko-KR" dirty="0">
+                <a:solidFill>
+                  <a:srgbClr val="D8985F"/>
+                </a:solidFill>
+                <a:latin typeface="Consolas" panose="020B0609020204030204" pitchFamily="49" charset="0"/>
+              </a:rPr>
+              <a:t>2</a:t>
+            </a:r>
+            <a:r>
+              <a:rPr lang="sv-SE" altLang="ko-KR" dirty="0">
+                <a:solidFill>
+                  <a:srgbClr val="AAB1C0"/>
+                </a:solidFill>
+                <a:latin typeface="Consolas" panose="020B0609020204030204" pitchFamily="49" charset="0"/>
+              </a:rPr>
+              <a:t>]</a:t>
+            </a:r>
+            <a:r>
+              <a:rPr lang="sv-SE" altLang="ko-KR" dirty="0">
+                <a:solidFill>
+                  <a:srgbClr val="BBBBBB"/>
+                </a:solidFill>
+                <a:latin typeface="Consolas" panose="020B0609020204030204" pitchFamily="49" charset="0"/>
+              </a:rPr>
+              <a:t>, arr</a:t>
+            </a:r>
+            <a:r>
+              <a:rPr lang="sv-SE" altLang="ko-KR" dirty="0">
+                <a:solidFill>
+                  <a:srgbClr val="AAB1C0"/>
+                </a:solidFill>
+                <a:latin typeface="Consolas" panose="020B0609020204030204" pitchFamily="49" charset="0"/>
+              </a:rPr>
+              <a:t>[</a:t>
+            </a:r>
+            <a:r>
+              <a:rPr lang="sv-SE" altLang="ko-KR" dirty="0">
+                <a:solidFill>
+                  <a:srgbClr val="D8985F"/>
+                </a:solidFill>
+                <a:latin typeface="Consolas" panose="020B0609020204030204" pitchFamily="49" charset="0"/>
+              </a:rPr>
+              <a:t>1</a:t>
+            </a:r>
+            <a:r>
+              <a:rPr lang="sv-SE" altLang="ko-KR" dirty="0">
+                <a:solidFill>
+                  <a:srgbClr val="AAB1C0"/>
+                </a:solidFill>
+                <a:latin typeface="Consolas" panose="020B0609020204030204" pitchFamily="49" charset="0"/>
+              </a:rPr>
+              <a:t>]]</a:t>
+            </a:r>
+            <a:endParaRPr lang="sv-SE" altLang="ko-KR" dirty="0">
+              <a:solidFill>
+                <a:srgbClr val="BBBBBB"/>
+              </a:solidFill>
+              <a:latin typeface="Consolas" panose="020B0609020204030204" pitchFamily="49" charset="0"/>
+            </a:endParaRPr>
+          </a:p>
+          <a:p>
+            <a:r>
+              <a:rPr lang="sv-SE" altLang="ko-KR" dirty="0">
+                <a:solidFill>
+                  <a:srgbClr val="2BBAC5"/>
+                </a:solidFill>
+                <a:latin typeface="Consolas" panose="020B0609020204030204" pitchFamily="49" charset="0"/>
+              </a:rPr>
+              <a:t>print</a:t>
+            </a:r>
+            <a:r>
+              <a:rPr lang="sv-SE" altLang="ko-KR" dirty="0">
+                <a:solidFill>
+                  <a:srgbClr val="AAB1C0"/>
+                </a:solidFill>
+                <a:latin typeface="Consolas" panose="020B0609020204030204" pitchFamily="49" charset="0"/>
+              </a:rPr>
+              <a:t>(brr)</a:t>
+            </a:r>
+            <a:endParaRPr lang="sv-SE" altLang="ko-KR" dirty="0">
+              <a:solidFill>
+                <a:srgbClr val="BBBBBB"/>
+              </a:solidFill>
+              <a:latin typeface="Consolas" panose="020B0609020204030204" pitchFamily="49" charset="0"/>
+            </a:endParaRPr>
           </a:p>
           <a:p>
             <a:pPr marL="0" indent="0">
@@ -9014,7 +9311,7 @@
                   <a:srgbClr val="000000"/>
                 </a:solidFill>
               </a:rPr>
-              <a:t> = ( </a:t>
+              <a:t> = ( set</a:t>
             </a:r>
             <a:r>
               <a:rPr lang="en-US" altLang="ko-KR" sz="1000" dirty="0">
